--- a/ppt mhw3.pptx
+++ b/ppt mhw3.pptx
@@ -8,8 +8,10 @@
     <p:sldId id="256" r:id="rId2"/>
     <p:sldId id="262" r:id="rId3"/>
     <p:sldId id="270" r:id="rId4"/>
-    <p:sldId id="260" r:id="rId5"/>
-    <p:sldId id="265" r:id="rId6"/>
+    <p:sldId id="272" r:id="rId5"/>
+    <p:sldId id="260" r:id="rId6"/>
+    <p:sldId id="265" r:id="rId7"/>
+    <p:sldId id="271" r:id="rId8"/>
   </p:sldIdLst>
   <p:sldSz cx="12192000" cy="6858000"/>
   <p:notesSz cx="6858000" cy="9144000"/>
@@ -6156,6 +6158,105 @@
       </p:grpSpPr>
       <p:sp>
         <p:nvSpPr>
+          <p:cNvPr id="4" name="CasellaDiTesto 3">
+            <a:extLst>
+              <a:ext uri="{FF2B5EF4-FFF2-40B4-BE49-F238E27FC236}">
+                <a16:creationId xmlns:a16="http://schemas.microsoft.com/office/drawing/2014/main" id="{B0EB61F9-2AAB-4F6A-8A39-C88FBA7CF094}"/>
+              </a:ext>
+            </a:extLst>
+          </p:cNvPr>
+          <p:cNvSpPr txBox="1"/>
+          <p:nvPr/>
+        </p:nvSpPr>
+        <p:spPr>
+          <a:xfrm>
+            <a:off x="4622432" y="1048365"/>
+            <a:ext cx="2947135" cy="584775"/>
+          </a:xfrm>
+          <a:prstGeom prst="rect">
+            <a:avLst/>
+          </a:prstGeom>
+          <a:noFill/>
+        </p:spPr>
+        <p:txBody>
+          <a:bodyPr wrap="square" rtlCol="0">
+            <a:spAutoFit/>
+          </a:bodyPr>
+          <a:lstStyle/>
+          <a:p>
+            <a:r>
+              <a:rPr lang="it-IT" sz="3200" dirty="0"/>
+              <a:t>API: </a:t>
+            </a:r>
+            <a:r>
+              <a:rPr lang="it-IT" sz="3200" dirty="0" err="1"/>
+              <a:t>Makeup</a:t>
+            </a:r>
+            <a:endParaRPr lang="it-IT" sz="3200" dirty="0"/>
+          </a:p>
+        </p:txBody>
+      </p:sp>
+      <p:pic>
+        <p:nvPicPr>
+          <p:cNvPr id="5" name="Immagine 4" descr="Immagine che contiene testo, screenshot, monitor, interni&#10;&#10;Descrizione generata automaticamente">
+            <a:extLst>
+              <a:ext uri="{FF2B5EF4-FFF2-40B4-BE49-F238E27FC236}">
+                <a16:creationId xmlns:a16="http://schemas.microsoft.com/office/drawing/2014/main" id="{884ABF26-8DDF-4D23-99F4-AFD639137E22}"/>
+              </a:ext>
+            </a:extLst>
+          </p:cNvPr>
+          <p:cNvPicPr>
+            <a:picLocks noChangeAspect="1"/>
+          </p:cNvPicPr>
+          <p:nvPr/>
+        </p:nvPicPr>
+        <p:blipFill rotWithShape="1">
+          <a:blip r:embed="rId2"/>
+          <a:srcRect t="30815" b="9630"/>
+          <a:stretch/>
+        </p:blipFill>
+        <p:spPr>
+          <a:xfrm>
+            <a:off x="1091821" y="2265680"/>
+            <a:ext cx="10008357" cy="3352800"/>
+          </a:xfrm>
+          <a:prstGeom prst="rect">
+            <a:avLst/>
+          </a:prstGeom>
+        </p:spPr>
+      </p:pic>
+    </p:spTree>
+    <p:extLst>
+      <p:ext uri="{BB962C8B-B14F-4D97-AF65-F5344CB8AC3E}">
+        <p14:creationId xmlns:p14="http://schemas.microsoft.com/office/powerpoint/2010/main" val="3312135156"/>
+      </p:ext>
+    </p:extLst>
+  </p:cSld>
+  <p:clrMapOvr>
+    <a:masterClrMapping/>
+  </p:clrMapOvr>
+</p:sld>
+</file>
+
+<file path=ppt/slides/slide5.xml><?xml version="1.0" encoding="utf-8"?>
+<p:sld xmlns:a="http://schemas.openxmlformats.org/drawingml/2006/main" xmlns:r="http://schemas.openxmlformats.org/officeDocument/2006/relationships" xmlns:p="http://schemas.openxmlformats.org/presentationml/2006/main">
+  <p:cSld>
+    <p:spTree>
+      <p:nvGrpSpPr>
+        <p:cNvPr id="1" name=""/>
+        <p:cNvGrpSpPr/>
+        <p:nvPr/>
+      </p:nvGrpSpPr>
+      <p:grpSpPr>
+        <a:xfrm>
+          <a:off x="0" y="0"/>
+          <a:ext cx="0" cy="0"/>
+          <a:chOff x="0" y="0"/>
+          <a:chExt cx="0" cy="0"/>
+        </a:xfrm>
+      </p:grpSpPr>
+      <p:sp>
+        <p:nvSpPr>
           <p:cNvPr id="2" name="CasellaDiTesto 1">
             <a:extLst>
               <a:ext uri="{FF2B5EF4-FFF2-40B4-BE49-F238E27FC236}">
@@ -6246,7 +6347,7 @@
 </p:sld>
 </file>
 
-<file path=ppt/slides/slide5.xml><?xml version="1.0" encoding="utf-8"?>
+<file path=ppt/slides/slide6.xml><?xml version="1.0" encoding="utf-8"?>
 <p:sld xmlns:a="http://schemas.openxmlformats.org/drawingml/2006/main" xmlns:r="http://schemas.openxmlformats.org/officeDocument/2006/relationships" xmlns:p="http://schemas.openxmlformats.org/presentationml/2006/main" showMasterSp="0">
   <p:cSld>
     <p:bg>
@@ -6470,6 +6571,100 @@
     <p:extLst>
       <p:ext uri="{BB962C8B-B14F-4D97-AF65-F5344CB8AC3E}">
         <p14:creationId xmlns:p14="http://schemas.microsoft.com/office/powerpoint/2010/main" val="2838751444"/>
+      </p:ext>
+    </p:extLst>
+  </p:cSld>
+  <p:clrMapOvr>
+    <a:masterClrMapping/>
+  </p:clrMapOvr>
+</p:sld>
+</file>
+
+<file path=ppt/slides/slide7.xml><?xml version="1.0" encoding="utf-8"?>
+<p:sld xmlns:a="http://schemas.openxmlformats.org/drawingml/2006/main" xmlns:r="http://schemas.openxmlformats.org/officeDocument/2006/relationships" xmlns:p="http://schemas.openxmlformats.org/presentationml/2006/main">
+  <p:cSld>
+    <p:spTree>
+      <p:nvGrpSpPr>
+        <p:cNvPr id="1" name=""/>
+        <p:cNvGrpSpPr/>
+        <p:nvPr/>
+      </p:nvGrpSpPr>
+      <p:grpSpPr>
+        <a:xfrm>
+          <a:off x="0" y="0"/>
+          <a:ext cx="0" cy="0"/>
+          <a:chOff x="0" y="0"/>
+          <a:chExt cx="0" cy="0"/>
+        </a:xfrm>
+      </p:grpSpPr>
+      <p:pic>
+        <p:nvPicPr>
+          <p:cNvPr id="3" name="Immagine 2" descr="Immagine che contiene testo, screenshot, monitor, nero&#10;&#10;Descrizione generata automaticamente">
+            <a:extLst>
+              <a:ext uri="{FF2B5EF4-FFF2-40B4-BE49-F238E27FC236}">
+                <a16:creationId xmlns:a16="http://schemas.microsoft.com/office/drawing/2014/main" id="{73A5BAC9-CF74-4873-93B9-28A53B52A02C}"/>
+              </a:ext>
+            </a:extLst>
+          </p:cNvPr>
+          <p:cNvPicPr>
+            <a:picLocks noChangeAspect="1"/>
+          </p:cNvPicPr>
+          <p:nvPr/>
+        </p:nvPicPr>
+        <p:blipFill rotWithShape="1">
+          <a:blip r:embed="rId2"/>
+          <a:srcRect t="30683" r="1054" b="10041"/>
+          <a:stretch/>
+        </p:blipFill>
+        <p:spPr>
+          <a:xfrm>
+            <a:off x="1087717" y="2202396"/>
+            <a:ext cx="10016565" cy="3375444"/>
+          </a:xfrm>
+          <a:prstGeom prst="rect">
+            <a:avLst/>
+          </a:prstGeom>
+        </p:spPr>
+      </p:pic>
+      <p:sp>
+        <p:nvSpPr>
+          <p:cNvPr id="4" name="CasellaDiTesto 3">
+            <a:extLst>
+              <a:ext uri="{FF2B5EF4-FFF2-40B4-BE49-F238E27FC236}">
+                <a16:creationId xmlns:a16="http://schemas.microsoft.com/office/drawing/2014/main" id="{B0EB61F9-2AAB-4F6A-8A39-C88FBA7CF094}"/>
+              </a:ext>
+            </a:extLst>
+          </p:cNvPr>
+          <p:cNvSpPr txBox="1"/>
+          <p:nvPr/>
+        </p:nvSpPr>
+        <p:spPr>
+          <a:xfrm>
+            <a:off x="4622432" y="1048365"/>
+            <a:ext cx="2947135" cy="584775"/>
+          </a:xfrm>
+          <a:prstGeom prst="rect">
+            <a:avLst/>
+          </a:prstGeom>
+          <a:noFill/>
+        </p:spPr>
+        <p:txBody>
+          <a:bodyPr wrap="square" rtlCol="0">
+            <a:spAutoFit/>
+          </a:bodyPr>
+          <a:lstStyle/>
+          <a:p>
+            <a:r>
+              <a:rPr lang="it-IT" sz="3200" dirty="0"/>
+              <a:t>API: mediastack</a:t>
+            </a:r>
+          </a:p>
+        </p:txBody>
+      </p:sp>
+    </p:spTree>
+    <p:extLst>
+      <p:ext uri="{BB962C8B-B14F-4D97-AF65-F5344CB8AC3E}">
+        <p14:creationId xmlns:p14="http://schemas.microsoft.com/office/powerpoint/2010/main" val="624970267"/>
       </p:ext>
     </p:extLst>
   </p:cSld>
